--- a/MVC.pptx
+++ b/MVC.pptx
@@ -8,6 +8,7 @@
     <p:sldId id="256" r:id="rId2"/>
     <p:sldId id="257" r:id="rId3"/>
     <p:sldId id="258" r:id="rId4"/>
+    <p:sldId id="259" r:id="rId5"/>
   </p:sldIdLst>
   <p:sldSz cx="9144000" cy="6858000" type="screen4x3"/>
   <p:notesSz cx="6858000" cy="9144000"/>
@@ -493,7 +494,7 @@
           <a:p>
             <a:fld id="{530820CF-B880-4189-942D-D702A7CBA730}" type="datetimeFigureOut">
               <a:rPr lang="zh-CN" altLang="en-US" smtClean="0"/>
-              <a:t>2016/1/13</a:t>
+              <a:t>2016/1/14</a:t>
             </a:fld>
             <a:endParaRPr lang="zh-CN" altLang="en-US"/>
           </a:p>
@@ -658,7 +659,7 @@
           <a:p>
             <a:fld id="{530820CF-B880-4189-942D-D702A7CBA730}" type="datetimeFigureOut">
               <a:rPr lang="zh-CN" altLang="en-US" smtClean="0"/>
-              <a:t>2016/1/13</a:t>
+              <a:t>2016/1/14</a:t>
             </a:fld>
             <a:endParaRPr lang="zh-CN" altLang="en-US"/>
           </a:p>
@@ -833,7 +834,7 @@
           <a:p>
             <a:fld id="{530820CF-B880-4189-942D-D702A7CBA730}" type="datetimeFigureOut">
               <a:rPr lang="zh-CN" altLang="en-US" smtClean="0"/>
-              <a:t>2016/1/13</a:t>
+              <a:t>2016/1/14</a:t>
             </a:fld>
             <a:endParaRPr lang="zh-CN" altLang="en-US"/>
           </a:p>
@@ -1002,7 +1003,7 @@
           <a:p>
             <a:fld id="{530820CF-B880-4189-942D-D702A7CBA730}" type="datetimeFigureOut">
               <a:rPr lang="zh-CN" altLang="en-US" smtClean="0"/>
-              <a:t>2016/1/13</a:t>
+              <a:t>2016/1/14</a:t>
             </a:fld>
             <a:endParaRPr lang="zh-CN" altLang="en-US"/>
           </a:p>
@@ -1457,7 +1458,7 @@
           <a:p>
             <a:fld id="{530820CF-B880-4189-942D-D702A7CBA730}" type="datetimeFigureOut">
               <a:rPr lang="zh-CN" altLang="en-US" smtClean="0"/>
-              <a:t>2016/1/13</a:t>
+              <a:t>2016/1/14</a:t>
             </a:fld>
             <a:endParaRPr lang="zh-CN" altLang="en-US"/>
           </a:p>
@@ -1721,7 +1722,7 @@
           <a:p>
             <a:fld id="{530820CF-B880-4189-942D-D702A7CBA730}" type="datetimeFigureOut">
               <a:rPr lang="zh-CN" altLang="en-US" smtClean="0"/>
-              <a:t>2016/1/13</a:t>
+              <a:t>2016/1/14</a:t>
             </a:fld>
             <a:endParaRPr lang="zh-CN" altLang="en-US"/>
           </a:p>
@@ -2095,7 +2096,7 @@
           <a:p>
             <a:fld id="{530820CF-B880-4189-942D-D702A7CBA730}" type="datetimeFigureOut">
               <a:rPr lang="zh-CN" altLang="en-US" smtClean="0"/>
-              <a:t>2016/1/13</a:t>
+              <a:t>2016/1/14</a:t>
             </a:fld>
             <a:endParaRPr lang="zh-CN" altLang="en-US"/>
           </a:p>
@@ -2217,7 +2218,7 @@
           <a:p>
             <a:fld id="{530820CF-B880-4189-942D-D702A7CBA730}" type="datetimeFigureOut">
               <a:rPr lang="zh-CN" altLang="en-US" smtClean="0"/>
-              <a:t>2016/1/13</a:t>
+              <a:t>2016/1/14</a:t>
             </a:fld>
             <a:endParaRPr lang="zh-CN" altLang="en-US"/>
           </a:p>
@@ -2307,7 +2308,7 @@
           <a:p>
             <a:fld id="{530820CF-B880-4189-942D-D702A7CBA730}" type="datetimeFigureOut">
               <a:rPr lang="zh-CN" altLang="en-US" smtClean="0"/>
-              <a:t>2016/1/13</a:t>
+              <a:t>2016/1/14</a:t>
             </a:fld>
             <a:endParaRPr lang="zh-CN" altLang="en-US"/>
           </a:p>
@@ -2556,7 +2557,7 @@
           <a:p>
             <a:fld id="{530820CF-B880-4189-942D-D702A7CBA730}" type="datetimeFigureOut">
               <a:rPr lang="zh-CN" altLang="en-US" smtClean="0"/>
-              <a:t>2016/1/13</a:t>
+              <a:t>2016/1/14</a:t>
             </a:fld>
             <a:endParaRPr lang="zh-CN" altLang="en-US"/>
           </a:p>
@@ -2815,7 +2816,7 @@
           <a:p>
             <a:fld id="{530820CF-B880-4189-942D-D702A7CBA730}" type="datetimeFigureOut">
               <a:rPr lang="zh-CN" altLang="en-US" smtClean="0"/>
-              <a:t>2016/1/13</a:t>
+              <a:t>2016/1/14</a:t>
             </a:fld>
             <a:endParaRPr lang="zh-CN" altLang="en-US"/>
           </a:p>
@@ -3219,7 +3220,7 @@
           <a:p>
             <a:fld id="{530820CF-B880-4189-942D-D702A7CBA730}" type="datetimeFigureOut">
               <a:rPr lang="zh-CN" altLang="en-US" smtClean="0"/>
-              <a:t>2016/1/13</a:t>
+              <a:t>2016/1/14</a:t>
             </a:fld>
             <a:endParaRPr lang="zh-CN" altLang="en-US"/>
           </a:p>
@@ -6169,6 +6170,258 @@
 </p:sld>
 </file>
 
+<file path=ppt/slides/slide4.xml><?xml version="1.0" encoding="utf-8"?>
+<p:sld xmlns:a="http://schemas.openxmlformats.org/drawingml/2006/main" xmlns:r="http://schemas.openxmlformats.org/officeDocument/2006/relationships" xmlns:p="http://schemas.openxmlformats.org/presentationml/2006/main">
+  <p:cSld>
+    <p:spTree>
+      <p:nvGrpSpPr>
+        <p:cNvPr id="1" name=""/>
+        <p:cNvGrpSpPr/>
+        <p:nvPr/>
+      </p:nvGrpSpPr>
+      <p:grpSpPr>
+        <a:xfrm>
+          <a:off x="0" y="0"/>
+          <a:ext cx="0" cy="0"/>
+          <a:chOff x="0" y="0"/>
+          <a:chExt cx="0" cy="0"/>
+        </a:xfrm>
+      </p:grpSpPr>
+      <p:pic>
+        <p:nvPicPr>
+          <p:cNvPr id="1028" name="Picture 4"/>
+          <p:cNvPicPr>
+            <a:picLocks noChangeAspect="1" noChangeArrowheads="1"/>
+          </p:cNvPicPr>
+          <p:nvPr/>
+        </p:nvPicPr>
+        <p:blipFill>
+          <a:blip r:embed="rId2">
+            <a:extLst>
+              <a:ext uri="{28A0092B-C50C-407E-A947-70E740481C1C}">
+                <a14:useLocalDpi xmlns:a14="http://schemas.microsoft.com/office/drawing/2010/main" val="0"/>
+              </a:ext>
+            </a:extLst>
+          </a:blip>
+          <a:srcRect/>
+          <a:stretch>
+            <a:fillRect/>
+          </a:stretch>
+        </p:blipFill>
+        <p:spPr bwMode="auto">
+          <a:xfrm>
+            <a:off x="317758" y="2132856"/>
+            <a:ext cx="8570879" cy="4342499"/>
+          </a:xfrm>
+          <a:prstGeom prst="rect">
+            <a:avLst/>
+          </a:prstGeom>
+          <a:noFill/>
+          <a:ln>
+            <a:noFill/>
+          </a:ln>
+          <a:extLst>
+            <a:ext uri="{909E8E84-426E-40DD-AFC4-6F175D3DCCD1}">
+              <a14:hiddenFill xmlns:a14="http://schemas.microsoft.com/office/drawing/2010/main">
+                <a:solidFill>
+                  <a:schemeClr val="accent1"/>
+                </a:solidFill>
+              </a14:hiddenFill>
+            </a:ext>
+            <a:ext uri="{91240B29-F687-4F45-9708-019B960494DF}">
+              <a14:hiddenLine xmlns:a14="http://schemas.microsoft.com/office/drawing/2010/main" w="9525">
+                <a:solidFill>
+                  <a:schemeClr val="tx1"/>
+                </a:solidFill>
+                <a:miter lim="800000"/>
+                <a:headEnd/>
+                <a:tailEnd/>
+              </a14:hiddenLine>
+            </a:ext>
+          </a:extLst>
+        </p:spPr>
+      </p:pic>
+      <p:sp>
+        <p:nvSpPr>
+          <p:cNvPr id="10" name="右箭头 9"/>
+          <p:cNvSpPr/>
+          <p:nvPr/>
+        </p:nvSpPr>
+        <p:spPr>
+          <a:xfrm rot="12214558">
+            <a:off x="4400249" y="4831016"/>
+            <a:ext cx="1075458" cy="484632"/>
+          </a:xfrm>
+          <a:prstGeom prst="rightArrow">
+            <a:avLst/>
+          </a:prstGeom>
+        </p:spPr>
+        <p:style>
+          <a:lnRef idx="2">
+            <a:schemeClr val="dk1"/>
+          </a:lnRef>
+          <a:fillRef idx="1">
+            <a:schemeClr val="lt1"/>
+          </a:fillRef>
+          <a:effectRef idx="0">
+            <a:schemeClr val="dk1"/>
+          </a:effectRef>
+          <a:fontRef idx="minor">
+            <a:schemeClr val="dk1"/>
+          </a:fontRef>
+        </p:style>
+        <p:txBody>
+          <a:bodyPr rtlCol="0" anchor="ctr"/>
+          <a:lstStyle/>
+          <a:p>
+            <a:pPr algn="ctr"/>
+            <a:r>
+              <a:rPr lang="en-US" altLang="zh-CN" dirty="0" smtClean="0"/>
+              <a:t>1</a:t>
+            </a:r>
+            <a:endParaRPr lang="zh-CN" altLang="en-US" dirty="0"/>
+          </a:p>
+        </p:txBody>
+      </p:sp>
+      <p:sp>
+        <p:nvSpPr>
+          <p:cNvPr id="12" name="右箭头 11"/>
+          <p:cNvSpPr/>
+          <p:nvPr/>
+        </p:nvSpPr>
+        <p:spPr>
+          <a:xfrm rot="9145341">
+            <a:off x="5333290" y="3288889"/>
+            <a:ext cx="1057507" cy="437562"/>
+          </a:xfrm>
+          <a:prstGeom prst="rightArrow">
+            <a:avLst/>
+          </a:prstGeom>
+        </p:spPr>
+        <p:style>
+          <a:lnRef idx="2">
+            <a:schemeClr val="dk1"/>
+          </a:lnRef>
+          <a:fillRef idx="1">
+            <a:schemeClr val="lt1"/>
+          </a:fillRef>
+          <a:effectRef idx="0">
+            <a:schemeClr val="dk1"/>
+          </a:effectRef>
+          <a:fontRef idx="minor">
+            <a:schemeClr val="dk1"/>
+          </a:fontRef>
+        </p:style>
+        <p:txBody>
+          <a:bodyPr rtlCol="0" anchor="ctr"/>
+          <a:lstStyle/>
+          <a:p>
+            <a:pPr algn="ctr"/>
+            <a:r>
+              <a:rPr lang="en-US" altLang="zh-CN" dirty="0" smtClean="0"/>
+              <a:t>4</a:t>
+            </a:r>
+            <a:endParaRPr lang="zh-CN" altLang="en-US" dirty="0"/>
+          </a:p>
+        </p:txBody>
+      </p:sp>
+      <p:sp>
+        <p:nvSpPr>
+          <p:cNvPr id="13" name="右箭头 12"/>
+          <p:cNvSpPr/>
+          <p:nvPr/>
+        </p:nvSpPr>
+        <p:spPr>
+          <a:xfrm rot="1731322">
+            <a:off x="5795625" y="4359277"/>
+            <a:ext cx="1075458" cy="484632"/>
+          </a:xfrm>
+          <a:prstGeom prst="rightArrow">
+            <a:avLst/>
+          </a:prstGeom>
+        </p:spPr>
+        <p:style>
+          <a:lnRef idx="2">
+            <a:schemeClr val="dk1"/>
+          </a:lnRef>
+          <a:fillRef idx="1">
+            <a:schemeClr val="lt1"/>
+          </a:fillRef>
+          <a:effectRef idx="0">
+            <a:schemeClr val="dk1"/>
+          </a:effectRef>
+          <a:fontRef idx="minor">
+            <a:schemeClr val="dk1"/>
+          </a:fontRef>
+        </p:style>
+        <p:txBody>
+          <a:bodyPr rtlCol="0" anchor="ctr"/>
+          <a:lstStyle/>
+          <a:p>
+            <a:pPr algn="ctr"/>
+            <a:r>
+              <a:rPr lang="en-US" altLang="zh-CN" dirty="0" smtClean="0"/>
+              <a:t>3</a:t>
+            </a:r>
+            <a:endParaRPr lang="zh-CN" altLang="en-US" dirty="0"/>
+          </a:p>
+        </p:txBody>
+      </p:sp>
+      <p:sp>
+        <p:nvSpPr>
+          <p:cNvPr id="14" name="右箭头 13"/>
+          <p:cNvSpPr/>
+          <p:nvPr/>
+        </p:nvSpPr>
+        <p:spPr>
+          <a:xfrm rot="8675756">
+            <a:off x="928757" y="4241935"/>
+            <a:ext cx="1057507" cy="437562"/>
+          </a:xfrm>
+          <a:prstGeom prst="rightArrow">
+            <a:avLst/>
+          </a:prstGeom>
+        </p:spPr>
+        <p:style>
+          <a:lnRef idx="2">
+            <a:schemeClr val="dk1"/>
+          </a:lnRef>
+          <a:fillRef idx="1">
+            <a:schemeClr val="lt1"/>
+          </a:fillRef>
+          <a:effectRef idx="0">
+            <a:schemeClr val="dk1"/>
+          </a:effectRef>
+          <a:fontRef idx="minor">
+            <a:schemeClr val="dk1"/>
+          </a:fontRef>
+        </p:style>
+        <p:txBody>
+          <a:bodyPr rtlCol="0" anchor="ctr"/>
+          <a:lstStyle/>
+          <a:p>
+            <a:pPr algn="ctr"/>
+            <a:r>
+              <a:rPr lang="en-US" altLang="zh-CN" dirty="0" smtClean="0"/>
+              <a:t>2</a:t>
+            </a:r>
+            <a:endParaRPr lang="zh-CN" altLang="en-US" dirty="0"/>
+          </a:p>
+        </p:txBody>
+      </p:sp>
+    </p:spTree>
+    <p:extLst>
+      <p:ext uri="{BB962C8B-B14F-4D97-AF65-F5344CB8AC3E}">
+        <p14:creationId xmlns:p14="http://schemas.microsoft.com/office/powerpoint/2010/main" val="2789605551"/>
+      </p:ext>
+    </p:extLst>
+  </p:cSld>
+  <p:clrMapOvr>
+    <a:masterClrMapping/>
+  </p:clrMapOvr>
+</p:sld>
+</file>
+
 <file path=ppt/theme/theme1.xml><?xml version="1.0" encoding="utf-8"?>
 <a:theme xmlns:a="http://schemas.openxmlformats.org/drawingml/2006/main" name="技巧">
   <a:themeElements>
